--- a/timesedu/assets/images/colabs/20.pptx
+++ b/timesedu/assets/images/colabs/20.pptx
@@ -2978,7 +2978,7 @@
         <p:spPr>
           <a:xfrm>
             <a:off x="0" y="5711189"/>
-            <a:ext cx="12192000" cy="0"/>
+            <a:ext cx="10606088" cy="0"/>
           </a:xfrm>
           <a:prstGeom prst="line">
             <a:avLst/>
@@ -3044,22 +3044,32 @@
                 <a:rPr lang="en-US" sz="28700" kern="1300" spc="600" dirty="0" smtClean="0">
                   <a:ln w="57150">
                     <a:solidFill>
-                      <a:srgbClr val="00B050"/>
+                      <a:schemeClr val="tx1">
+                        <a:lumMod val="75000"/>
+                        <a:lumOff val="25000"/>
+                      </a:schemeClr>
                     </a:solidFill>
                   </a:ln>
-                  <a:noFill/>
+                  <a:solidFill>
+                    <a:srgbClr val="00B050"/>
+                  </a:solidFill>
                   <a:latin typeface="Haettenschweiler" panose="020B0706040902060204" pitchFamily="34" charset="0"/>
                 </a:rPr>
-                <a:t>2</a:t>
+                <a:t>6</a:t>
               </a:r>
               <a:r>
                 <a:rPr lang="en-US" sz="7200" kern="1300" spc="600" dirty="0" smtClean="0">
                   <a:ln w="57150">
                     <a:solidFill>
-                      <a:srgbClr val="00B050"/>
+                      <a:schemeClr val="tx1">
+                        <a:lumMod val="75000"/>
+                        <a:lumOff val="25000"/>
+                      </a:schemeClr>
                     </a:solidFill>
                   </a:ln>
-                  <a:noFill/>
+                  <a:solidFill>
+                    <a:srgbClr val="00B050"/>
+                  </a:solidFill>
                   <a:latin typeface="Haettenschweiler" panose="020B0706040902060204" pitchFamily="34" charset="0"/>
                 </a:rPr>
                 <a:t> </a:t>
@@ -3068,10 +3078,15 @@
                 <a:rPr lang="en-US" sz="28700" kern="1300" spc="600" dirty="0" smtClean="0">
                   <a:ln w="57150">
                     <a:solidFill>
-                      <a:srgbClr val="00B050"/>
+                      <a:schemeClr val="tx1">
+                        <a:lumMod val="75000"/>
+                        <a:lumOff val="25000"/>
+                      </a:schemeClr>
                     </a:solidFill>
                   </a:ln>
-                  <a:noFill/>
+                  <a:solidFill>
+                    <a:srgbClr val="00B050"/>
+                  </a:solidFill>
                   <a:latin typeface="Haettenschweiler" panose="020B0706040902060204" pitchFamily="34" charset="0"/>
                 </a:rPr>
                 <a:t>0</a:t>
@@ -3079,10 +3094,15 @@
               <a:endParaRPr lang="en-US" sz="28700" kern="1300" spc="600" dirty="0">
                 <a:ln w="57150">
                   <a:solidFill>
-                    <a:srgbClr val="00B050"/>
+                    <a:schemeClr val="tx1">
+                      <a:lumMod val="75000"/>
+                      <a:lumOff val="25000"/>
+                    </a:schemeClr>
                   </a:solidFill>
                 </a:ln>
-                <a:noFill/>
+                <a:solidFill>
+                  <a:srgbClr val="00B050"/>
+                </a:solidFill>
                 <a:latin typeface="Haettenschweiler" panose="020B0706040902060204" pitchFamily="34" charset="0"/>
               </a:endParaRPr>
             </a:p>
@@ -3114,10 +3134,15 @@
                 <a:rPr lang="en-US" sz="19900" dirty="0">
                   <a:ln w="57150">
                     <a:solidFill>
-                      <a:srgbClr val="00B050"/>
+                      <a:schemeClr val="tx1">
+                        <a:lumMod val="75000"/>
+                        <a:lumOff val="25000"/>
+                      </a:schemeClr>
                     </a:solidFill>
                   </a:ln>
-                  <a:noFill/>
+                  <a:solidFill>
+                    <a:srgbClr val="00B050"/>
+                  </a:solidFill>
                   <a:latin typeface="Haettenschweiler" panose="020B0706040902060204" pitchFamily="34" charset="0"/>
                 </a:rPr>
                 <a:t>+</a:t>
@@ -3319,6 +3344,87 @@
           <a:ln w="57150">
             <a:solidFill>
               <a:srgbClr val="00B050"/>
+            </a:solidFill>
+          </a:ln>
+        </p:spPr>
+        <p:style>
+          <a:lnRef idx="1">
+            <a:schemeClr val="accent1"/>
+          </a:lnRef>
+          <a:fillRef idx="0">
+            <a:schemeClr val="accent1"/>
+          </a:fillRef>
+          <a:effectRef idx="0">
+            <a:schemeClr val="accent1"/>
+          </a:effectRef>
+          <a:fontRef idx="minor">
+            <a:schemeClr val="tx1"/>
+          </a:fontRef>
+        </p:style>
+      </p:cxnSp>
+      <p:sp>
+        <p:nvSpPr>
+          <p:cNvPr id="2" name="Rectangle 1"/>
+          <p:cNvSpPr/>
+          <p:nvPr/>
+        </p:nvSpPr>
+        <p:spPr>
+          <a:xfrm>
+            <a:off x="10708822" y="0"/>
+            <a:ext cx="1483178" cy="6858000"/>
+          </a:xfrm>
+          <a:prstGeom prst="rect">
+            <a:avLst/>
+          </a:prstGeom>
+          <a:solidFill>
+            <a:srgbClr val="00B050"/>
+          </a:solidFill>
+          <a:ln>
+            <a:noFill/>
+          </a:ln>
+        </p:spPr>
+        <p:style>
+          <a:lnRef idx="2">
+            <a:schemeClr val="accent1">
+              <a:shade val="50000"/>
+            </a:schemeClr>
+          </a:lnRef>
+          <a:fillRef idx="1">
+            <a:schemeClr val="accent1"/>
+          </a:fillRef>
+          <a:effectRef idx="0">
+            <a:schemeClr val="accent1"/>
+          </a:effectRef>
+          <a:fontRef idx="minor">
+            <a:schemeClr val="lt1"/>
+          </a:fontRef>
+        </p:style>
+        <p:txBody>
+          <a:bodyPr rtlCol="0" anchor="ctr"/>
+          <a:lstStyle/>
+          <a:p>
+            <a:pPr algn="ctr"/>
+            <a:endParaRPr lang="en-US"/>
+          </a:p>
+        </p:txBody>
+      </p:sp>
+      <p:cxnSp>
+        <p:nvCxnSpPr>
+          <p:cNvPr id="11" name="Straight Connector 10"/>
+          <p:cNvCxnSpPr/>
+          <p:nvPr/>
+        </p:nvCxnSpPr>
+        <p:spPr>
+          <a:xfrm>
+            <a:off x="10679906" y="5711189"/>
+            <a:ext cx="1512094" cy="0"/>
+          </a:xfrm>
+          <a:prstGeom prst="line">
+            <a:avLst/>
+          </a:prstGeom>
+          <a:ln w="57150">
+            <a:solidFill>
+              <a:schemeClr val="bg1"/>
             </a:solidFill>
           </a:ln>
         </p:spPr>
